--- a/FacadeDesignPattern_MehmetKok/Final ödevi_mehmet kök _ileri programlama.pptx
+++ b/FacadeDesignPattern_MehmetKok/Final ödevi_mehmet kök _ileri programlama.pptx
@@ -214,7 +214,7 @@
           <a:p>
             <a:fld id="{4123CDCE-6AE3-4868-A6A7-DC9386A3CB32}" type="datetimeFigureOut">
               <a:rPr lang="en-US" smtClean="0"/>
-              <a:t>6/9/2021</a:t>
+              <a:t>6/13/2021</a:t>
             </a:fld>
             <a:endParaRPr lang="en-US"/>
           </a:p>
@@ -670,7 +670,7 @@
           <a:p>
             <a:fld id="{11569B82-D436-4971-9035-AF4560DC1D64}" type="datetime1">
               <a:rPr lang="en-US" smtClean="0"/>
-              <a:t>6/9/2021</a:t>
+              <a:t>6/13/2021</a:t>
             </a:fld>
             <a:endParaRPr lang="en-US" dirty="0"/>
           </a:p>
@@ -1004,7 +1004,7 @@
           <a:p>
             <a:fld id="{7B21D29A-68AE-46DC-A2BC-946C328F5BDB}" type="datetime1">
               <a:rPr lang="en-US" smtClean="0"/>
-              <a:t>6/9/2021</a:t>
+              <a:t>6/13/2021</a:t>
             </a:fld>
             <a:endParaRPr lang="en-US" dirty="0"/>
           </a:p>
@@ -1401,7 +1401,7 @@
           <a:p>
             <a:fld id="{4DD71A21-0F16-4EE3-B595-C6DE0399F27F}" type="datetime1">
               <a:rPr lang="en-US" smtClean="0"/>
-              <a:t>6/9/2021</a:t>
+              <a:t>6/13/2021</a:t>
             </a:fld>
             <a:endParaRPr lang="en-US" dirty="0"/>
           </a:p>
@@ -1733,7 +1733,7 @@
           <a:p>
             <a:fld id="{8446EC69-26BE-45F0-BB66-818E5DB7E1ED}" type="datetime1">
               <a:rPr lang="en-US" smtClean="0"/>
-              <a:t>6/9/2021</a:t>
+              <a:t>6/13/2021</a:t>
             </a:fld>
             <a:endParaRPr lang="en-US" dirty="0"/>
           </a:p>
@@ -2049,7 +2049,7 @@
           <a:p>
             <a:fld id="{2A2F2A86-30FA-4E37-A8CF-30B38A2CC104}" type="datetime1">
               <a:rPr lang="en-US" smtClean="0"/>
-              <a:t>6/9/2021</a:t>
+              <a:t>6/13/2021</a:t>
             </a:fld>
             <a:endParaRPr lang="en-US" dirty="0"/>
           </a:p>
@@ -2441,7 +2441,7 @@
           <a:p>
             <a:fld id="{FB8D07CC-1DEC-4BD5-8148-F528387EBB6B}" type="datetime1">
               <a:rPr lang="en-US" smtClean="0"/>
-              <a:t>6/9/2021</a:t>
+              <a:t>6/13/2021</a:t>
             </a:fld>
             <a:endParaRPr lang="en-US" dirty="0"/>
           </a:p>
@@ -2694,7 +2694,7 @@
           <a:p>
             <a:fld id="{4E48B82A-782D-40A2-9162-8D3CB9B4A046}" type="datetime1">
               <a:rPr lang="en-US" smtClean="0"/>
-              <a:t>6/9/2021</a:t>
+              <a:t>6/13/2021</a:t>
             </a:fld>
             <a:endParaRPr lang="en-US" dirty="0"/>
           </a:p>
@@ -2952,7 +2952,7 @@
           <a:p>
             <a:fld id="{3054518E-DA6C-4A77-B837-1DD00265882E}" type="datetime1">
               <a:rPr lang="en-US" smtClean="0"/>
-              <a:t>6/9/2021</a:t>
+              <a:t>6/13/2021</a:t>
             </a:fld>
             <a:endParaRPr lang="en-US" dirty="0"/>
           </a:p>
@@ -3210,7 +3210,7 @@
           <a:p>
             <a:fld id="{AFE29EDF-218D-4E2C-9A13-DE1F873BD9F5}" type="datetime1">
               <a:rPr lang="en-US" smtClean="0"/>
-              <a:t>6/9/2021</a:t>
+              <a:t>6/13/2021</a:t>
             </a:fld>
             <a:endParaRPr lang="en-US" dirty="0"/>
           </a:p>
@@ -3535,7 +3535,7 @@
           <a:p>
             <a:fld id="{FAE3E3F1-DCC5-4608-B67F-0D58A7CCC12B}" type="datetime1">
               <a:rPr lang="en-US" smtClean="0"/>
-              <a:t>6/9/2021</a:t>
+              <a:t>6/13/2021</a:t>
             </a:fld>
             <a:endParaRPr lang="en-US" dirty="0"/>
           </a:p>
@@ -3854,7 +3854,7 @@
           <a:p>
             <a:fld id="{E0504325-DA4E-4610-964B-A327D29A7E33}" type="datetime1">
               <a:rPr lang="en-US" smtClean="0"/>
-              <a:t>6/9/2021</a:t>
+              <a:t>6/13/2021</a:t>
             </a:fld>
             <a:endParaRPr lang="en-US" dirty="0"/>
           </a:p>
@@ -4307,7 +4307,7 @@
           <a:p>
             <a:fld id="{A9B5BB0C-DBB9-423D-8E78-55EFB52B628C}" type="datetime1">
               <a:rPr lang="en-US" smtClean="0"/>
-              <a:t>6/9/2021</a:t>
+              <a:t>6/13/2021</a:t>
             </a:fld>
             <a:endParaRPr lang="en-US" dirty="0"/>
           </a:p>
@@ -4508,7 +4508,7 @@
           <a:p>
             <a:fld id="{6ADB6DB6-B633-4BFA-A3DC-C220FBB73565}" type="datetime1">
               <a:rPr lang="en-US" smtClean="0"/>
-              <a:t>6/9/2021</a:t>
+              <a:t>6/13/2021</a:t>
             </a:fld>
             <a:endParaRPr lang="en-US" dirty="0"/>
           </a:p>
@@ -4681,7 +4681,7 @@
           <a:p>
             <a:fld id="{C60C5D2A-4C52-4E9A-9242-3EC9DCB4D234}" type="datetime1">
               <a:rPr lang="en-US" smtClean="0"/>
-              <a:t>6/9/2021</a:t>
+              <a:t>6/13/2021</a:t>
             </a:fld>
             <a:endParaRPr lang="en-US" dirty="0"/>
           </a:p>
@@ -5010,7 +5010,7 @@
           <a:p>
             <a:fld id="{E13B3B7B-988C-47FF-A6DE-8CCFFEE8D75E}" type="datetime1">
               <a:rPr lang="en-US" smtClean="0"/>
-              <a:t>6/9/2021</a:t>
+              <a:t>6/13/2021</a:t>
             </a:fld>
             <a:endParaRPr lang="en-US" dirty="0"/>
           </a:p>
@@ -5351,7 +5351,7 @@
           <a:p>
             <a:fld id="{8A2103D3-6CA7-45AF-A2CC-94B170EBA5CB}" type="datetime1">
               <a:rPr lang="en-US" smtClean="0"/>
-              <a:t>6/9/2021</a:t>
+              <a:t>6/13/2021</a:t>
             </a:fld>
             <a:endParaRPr lang="en-US" dirty="0"/>
           </a:p>
@@ -7464,7 +7464,7 @@
           <a:p>
             <a:fld id="{EC7ECAB0-4377-48FF-9B33-884EB4FED13B}" type="datetime1">
               <a:rPr lang="en-US" smtClean="0"/>
-              <a:t>6/9/2021</a:t>
+              <a:t>6/13/2021</a:t>
             </a:fld>
             <a:endParaRPr lang="en-US" dirty="0"/>
           </a:p>
@@ -8052,19 +8052,66 @@
           <a:p>
             <a:pPr algn="ctr"/>
             <a:r>
-              <a:rPr lang="tr-TR" dirty="0" err="1" smtClean="0"/>
+              <a:rPr lang="tr-TR" b="1" dirty="0" err="1" smtClean="0">
+                <a:ln w="9525">
+                  <a:solidFill>
+                    <a:schemeClr val="bg1"/>
+                  </a:solidFill>
+                  <a:prstDash val="solid"/>
+                </a:ln>
+                <a:solidFill>
+                  <a:schemeClr val="tx1"/>
+                </a:solidFill>
+                <a:effectLst>
+                  <a:outerShdw blurRad="12700" dist="38100" dir="2700000" algn="tl" rotWithShape="0">
+                    <a:schemeClr val="bg1">
+                      <a:lumMod val="50000"/>
+                    </a:schemeClr>
+                  </a:outerShdw>
+                </a:effectLst>
+              </a:rPr>
               <a:t>Facade</a:t>
             </a:r>
             <a:r>
-              <a:rPr lang="tr-TR" dirty="0" smtClean="0"/>
-              <a:t>(Cephe) </a:t>
-            </a:r>
-            <a:r>
-              <a:rPr lang="tr-TR" dirty="0"/>
-              <a:t>Design </a:t>
-            </a:r>
-            <a:r>
-              <a:rPr lang="tr-TR" dirty="0" err="1"/>
+              <a:rPr lang="tr-TR" b="1" dirty="0" smtClean="0">
+                <a:ln w="9525">
+                  <a:solidFill>
+                    <a:schemeClr val="bg1"/>
+                  </a:solidFill>
+                  <a:prstDash val="solid"/>
+                </a:ln>
+                <a:solidFill>
+                  <a:schemeClr val="tx1"/>
+                </a:solidFill>
+                <a:effectLst>
+                  <a:outerShdw blurRad="12700" dist="38100" dir="2700000" algn="tl" rotWithShape="0">
+                    <a:schemeClr val="bg1">
+                      <a:lumMod val="50000"/>
+                    </a:schemeClr>
+                  </a:outerShdw>
+                </a:effectLst>
+              </a:rPr>
+              <a:t>(Cephe) Design </a:t>
+            </a:r>
+            <a:r>
+              <a:rPr lang="tr-TR" b="1" dirty="0" err="1" smtClean="0">
+                <a:ln w="9525">
+                  <a:solidFill>
+                    <a:schemeClr val="bg1"/>
+                  </a:solidFill>
+                  <a:prstDash val="solid"/>
+                </a:ln>
+                <a:solidFill>
+                  <a:schemeClr val="tx1"/>
+                </a:solidFill>
+                <a:effectLst>
+                  <a:outerShdw blurRad="12700" dist="38100" dir="2700000" algn="tl" rotWithShape="0">
+                    <a:schemeClr val="bg1">
+                      <a:lumMod val="50000"/>
+                    </a:schemeClr>
+                  </a:outerShdw>
+                </a:effectLst>
+              </a:rPr>
               <a:t>Pattern</a:t>
             </a:r>
             <a:endParaRPr lang="en-US" b="1" dirty="0">
@@ -8078,10 +8125,10 @@
                 <a:schemeClr val="tx1"/>
               </a:solidFill>
               <a:effectLst>
-                <a:outerShdw blurRad="12700" dist="38100" dir="2700000" algn="tl" rotWithShape="0">
-                  <a:schemeClr val="bg1">
-                    <a:lumMod val="50000"/>
-                  </a:schemeClr>
+                <a:outerShdw blurRad="38100" dist="38100" dir="2700000" algn="tl">
+                  <a:srgbClr val="000000">
+                    <a:alpha val="43137"/>
+                  </a:srgbClr>
                 </a:outerShdw>
               </a:effectLst>
             </a:endParaRPr>
@@ -8857,7 +8904,7 @@
                 <a:hlinkClick r:id="rId6">
                   <a:extLst>
                     <a:ext uri="{A12FA001-AC4F-418D-AE19-62706E023703}">
-                      <ahyp:hlinkClr xmlns:ahyp="http://schemas.microsoft.com/office/drawing/2018/hyperlinkcolor" xmlns="" val="tx"/>
+                      <ahyp:hlinkClr xmlns="" xmlns:ahyp="http://schemas.microsoft.com/office/drawing/2018/hyperlinkcolor" val="tx"/>
                     </a:ext>
                   </a:extLst>
                 </a:hlinkClick>
@@ -9479,7 +9526,6 @@
               <a:rPr lang="tr-TR" dirty="0"/>
               <a:t>Uygulama Örneği Anlatımı</a:t>
             </a:r>
-            <a:endParaRPr lang="tr-TR" dirty="0"/>
           </a:p>
         </p:txBody>
       </p:sp>
@@ -13011,11 +13057,7 @@
             </a:r>
             <a:r>
               <a:rPr lang="tr-TR" dirty="0"/>
-              <a:t> UML Diyagramı Uygulama </a:t>
-            </a:r>
-            <a:r>
-              <a:rPr lang="tr-TR" dirty="0"/>
-              <a:t>Örneği </a:t>
+              <a:t> UML Diyagramı Uygulama Örneği </a:t>
             </a:r>
             <a:r>
               <a:rPr lang="tr-TR" dirty="0" smtClean="0"/>
@@ -13250,7 +13292,7 @@
                 <a:hlinkClick r:id="rId6">
                   <a:extLst>
                     <a:ext uri="{A12FA001-AC4F-418D-AE19-62706E023703}">
-                      <ahyp:hlinkClr xmlns:ahyp="http://schemas.microsoft.com/office/drawing/2018/hyperlinkcolor" xmlns="" val="tx"/>
+                      <ahyp:hlinkClr xmlns="" xmlns:ahyp="http://schemas.microsoft.com/office/drawing/2018/hyperlinkcolor" val="tx"/>
                     </a:ext>
                   </a:extLst>
                 </a:hlinkClick>
